--- a/homework/NMA_pre.pptx
+++ b/homework/NMA_pre.pptx
@@ -213,7 +213,7 @@
           <a:p>
             <a:fld id="{2136B5CE-C75F-4DA0-9B8E-9A8DFCB2CEAB}" type="datetimeFigureOut">
               <a:rPr lang="zh-CN" altLang="en-US" smtClean="0"/>
-              <a:t>2020/10/5</a:t>
+              <a:t>2020/10/6</a:t>
             </a:fld>
             <a:endParaRPr lang="zh-CN" altLang="en-US"/>
           </a:p>
@@ -1363,8 +1363,13 @@
             </a:r>
             <a:r>
               <a:rPr lang="zh-CN" altLang="en-US" dirty="0"/>
-              <a:t>，最后就是实现一个基于并行流处理的移动端目标检测，并和传统的方法进行比较。</a:t>
-            </a:r>
+              <a:t>，最后就是实现一个基于并行流处理的移动端目标检测，测试不同分辨率视频的延迟和目标检测</a:t>
+            </a:r>
+            <a:r>
+              <a:rPr lang="zh-CN" altLang="en-US"/>
+              <a:t>的精度。</a:t>
+            </a:r>
+            <a:endParaRPr lang="zh-CN" altLang="en-US" dirty="0"/>
           </a:p>
         </p:txBody>
       </p:sp>
@@ -2720,7 +2725,7 @@
           <a:p>
             <a:fld id="{0966F4D9-DEED-4D06-B63C-5225B497795E}" type="datetimeFigureOut">
               <a:rPr lang="zh-CN" altLang="en-US" smtClean="0"/>
-              <a:t>2020/10/5</a:t>
+              <a:t>2020/10/6</a:t>
             </a:fld>
             <a:endParaRPr lang="zh-CN" altLang="en-US"/>
           </a:p>
@@ -2918,7 +2923,7 @@
           <a:p>
             <a:fld id="{0966F4D9-DEED-4D06-B63C-5225B497795E}" type="datetimeFigureOut">
               <a:rPr lang="zh-CN" altLang="en-US" smtClean="0"/>
-              <a:t>2020/10/5</a:t>
+              <a:t>2020/10/6</a:t>
             </a:fld>
             <a:endParaRPr lang="zh-CN" altLang="en-US"/>
           </a:p>
@@ -3126,7 +3131,7 @@
           <a:p>
             <a:fld id="{0966F4D9-DEED-4D06-B63C-5225B497795E}" type="datetimeFigureOut">
               <a:rPr lang="zh-CN" altLang="en-US" smtClean="0"/>
-              <a:t>2020/10/5</a:t>
+              <a:t>2020/10/6</a:t>
             </a:fld>
             <a:endParaRPr lang="zh-CN" altLang="en-US"/>
           </a:p>
@@ -3328,7 +3333,7 @@
           <a:p>
             <a:fld id="{0966F4D9-DEED-4D06-B63C-5225B497795E}" type="datetimeFigureOut">
               <a:rPr lang="zh-CN" altLang="en-US" smtClean="0"/>
-              <a:t>2020/10/5</a:t>
+              <a:t>2020/10/6</a:t>
             </a:fld>
             <a:endParaRPr lang="zh-CN" altLang="en-US"/>
           </a:p>
@@ -3603,7 +3608,7 @@
           <a:p>
             <a:fld id="{0966F4D9-DEED-4D06-B63C-5225B497795E}" type="datetimeFigureOut">
               <a:rPr lang="zh-CN" altLang="en-US" smtClean="0"/>
-              <a:t>2020/10/5</a:t>
+              <a:t>2020/10/6</a:t>
             </a:fld>
             <a:endParaRPr lang="zh-CN" altLang="en-US"/>
           </a:p>
@@ -3868,7 +3873,7 @@
           <a:p>
             <a:fld id="{0966F4D9-DEED-4D06-B63C-5225B497795E}" type="datetimeFigureOut">
               <a:rPr lang="zh-CN" altLang="en-US" smtClean="0"/>
-              <a:t>2020/10/5</a:t>
+              <a:t>2020/10/6</a:t>
             </a:fld>
             <a:endParaRPr lang="zh-CN" altLang="en-US"/>
           </a:p>
@@ -4280,7 +4285,7 @@
           <a:p>
             <a:fld id="{0966F4D9-DEED-4D06-B63C-5225B497795E}" type="datetimeFigureOut">
               <a:rPr lang="zh-CN" altLang="en-US" smtClean="0"/>
-              <a:t>2020/10/5</a:t>
+              <a:t>2020/10/6</a:t>
             </a:fld>
             <a:endParaRPr lang="zh-CN" altLang="en-US"/>
           </a:p>
@@ -4421,7 +4426,7 @@
           <a:p>
             <a:fld id="{0966F4D9-DEED-4D06-B63C-5225B497795E}" type="datetimeFigureOut">
               <a:rPr lang="zh-CN" altLang="en-US" smtClean="0"/>
-              <a:t>2020/10/5</a:t>
+              <a:t>2020/10/6</a:t>
             </a:fld>
             <a:endParaRPr lang="zh-CN" altLang="en-US"/>
           </a:p>
@@ -4534,7 +4539,7 @@
           <a:p>
             <a:fld id="{0966F4D9-DEED-4D06-B63C-5225B497795E}" type="datetimeFigureOut">
               <a:rPr lang="zh-CN" altLang="en-US" smtClean="0"/>
-              <a:t>2020/10/5</a:t>
+              <a:t>2020/10/6</a:t>
             </a:fld>
             <a:endParaRPr lang="zh-CN" altLang="en-US"/>
           </a:p>
@@ -4845,7 +4850,7 @@
           <a:p>
             <a:fld id="{0966F4D9-DEED-4D06-B63C-5225B497795E}" type="datetimeFigureOut">
               <a:rPr lang="zh-CN" altLang="en-US" smtClean="0"/>
-              <a:t>2020/10/5</a:t>
+              <a:t>2020/10/6</a:t>
             </a:fld>
             <a:endParaRPr lang="zh-CN" altLang="en-US"/>
           </a:p>
@@ -5133,7 +5138,7 @@
           <a:p>
             <a:fld id="{0966F4D9-DEED-4D06-B63C-5225B497795E}" type="datetimeFigureOut">
               <a:rPr lang="zh-CN" altLang="en-US" smtClean="0"/>
-              <a:t>2020/10/5</a:t>
+              <a:t>2020/10/6</a:t>
             </a:fld>
             <a:endParaRPr lang="zh-CN" altLang="en-US"/>
           </a:p>
@@ -5383,7 +5388,7 @@
           <a:p>
             <a:fld id="{0966F4D9-DEED-4D06-B63C-5225B497795E}" type="datetimeFigureOut">
               <a:rPr lang="zh-CN" altLang="en-US" smtClean="0"/>
-              <a:t>2020/10/5</a:t>
+              <a:t>2020/10/6</a:t>
             </a:fld>
             <a:endParaRPr lang="zh-CN" altLang="en-US"/>
           </a:p>
@@ -7484,12 +7489,8 @@
           <a:p>
             <a:pPr lvl="1"/>
             <a:r>
-              <a:rPr lang="en-US" altLang="zh-CN" dirty="0" err="1"/>
-              <a:t>Meature</a:t>
-            </a:r>
-            <a:r>
               <a:rPr lang="en-US" altLang="zh-CN" dirty="0"/>
-              <a:t> latency and compress rate with different codec methods.</a:t>
+              <a:t>Measure encoding latency and compress rate with different codec methods.</a:t>
             </a:r>
           </a:p>
           <a:p>
@@ -7512,6 +7513,13 @@
             <a:r>
               <a:rPr lang="en-US" altLang="zh-CN" dirty="0"/>
               <a:t>mobile phone with parallel streaming.</a:t>
+            </a:r>
+          </a:p>
+          <a:p>
+            <a:pPr lvl="1"/>
+            <a:r>
+              <a:rPr lang="en-US" altLang="zh-CN" dirty="0"/>
+              <a:t>Measure latency and precision with different resolutions.</a:t>
             </a:r>
           </a:p>
         </p:txBody>

--- a/homework/NMA_pre.pptx
+++ b/homework/NMA_pre.pptx
@@ -1363,13 +1363,8 @@
             </a:r>
             <a:r>
               <a:rPr lang="zh-CN" altLang="en-US" dirty="0"/>
-              <a:t>，最后就是实现一个基于并行流处理的移动端目标检测，测试不同分辨率视频的延迟和目标检测</a:t>
-            </a:r>
-            <a:r>
-              <a:rPr lang="zh-CN" altLang="en-US"/>
-              <a:t>的精度。</a:t>
-            </a:r>
-            <a:endParaRPr lang="zh-CN" altLang="en-US" dirty="0"/>
+              <a:t>，最后就是实现一个基于并行流处理的移动端目标检测，测试不同分辨率视频的延迟和目标检测的精度。</a:t>
+            </a:r>
           </a:p>
         </p:txBody>
       </p:sp>

--- a/homework/NMA_pre.pptx
+++ b/homework/NMA_pre.pptx
@@ -5925,12 +5925,8 @@
           </a:p>
           <a:p>
             <a:r>
-              <a:rPr lang="zh-CN" altLang="en-US" dirty="0"/>
-              <a:t>吴家行 </a:t>
-            </a:r>
-            <a:r>
-              <a:rPr lang="en-US" altLang="zh-CN" dirty="0"/>
-              <a:t>2020213991</a:t>
+              <a:rPr lang="zh-CN" altLang="en-US"/>
+              <a:t>吴家行</a:t>
             </a:r>
             <a:endParaRPr lang="zh-CN" altLang="en-US" dirty="0"/>
           </a:p>

--- a/homework/NMA_pre.pptx
+++ b/homework/NMA_pre.pptx
@@ -837,6 +837,210 @@
               <a:rPr lang="en-US" altLang="zh-CN" dirty="0"/>
               <a:t>.</a:t>
             </a:r>
+          </a:p>
+          <a:p>
+            <a:endParaRPr lang="en-US" altLang="zh-CN" dirty="0"/>
+          </a:p>
+          <a:p>
+            <a:pPr marL="0" marR="0" lvl="0" indent="0" algn="l" defTabSz="914400" rtl="0" eaLnBrk="1" fontAlgn="auto" latinLnBrk="0" hangingPunct="1">
+              <a:lnSpc>
+                <a:spcPct val="100000"/>
+              </a:lnSpc>
+              <a:spcBef>
+                <a:spcPts val="0"/>
+              </a:spcBef>
+              <a:spcAft>
+                <a:spcPts val="0"/>
+              </a:spcAft>
+              <a:buClrTx/>
+              <a:buSzTx/>
+              <a:buFontTx/>
+              <a:buNone/>
+              <a:tabLst/>
+              <a:defRPr/>
+            </a:pPr>
+            <a:r>
+              <a:rPr lang="zh-CN" altLang="en-US" sz="1200" b="0" kern="1200" dirty="0">
+                <a:solidFill>
+                  <a:schemeClr val="tx1"/>
+                </a:solidFill>
+                <a:effectLst/>
+                <a:latin typeface="+mn-lt"/>
+                <a:ea typeface="+mn-ea"/>
+                <a:cs typeface="+mn-cs"/>
+              </a:rPr>
+              <a:t>对于</a:t>
+            </a:r>
+            <a:r>
+              <a:rPr lang="en-US" altLang="zh-CN" sz="1200" b="0" kern="1200" dirty="0">
+                <a:solidFill>
+                  <a:schemeClr val="tx1"/>
+                </a:solidFill>
+                <a:effectLst/>
+                <a:latin typeface="+mn-lt"/>
+                <a:ea typeface="+mn-ea"/>
+                <a:cs typeface="+mn-cs"/>
+              </a:rPr>
+              <a:t>$T_{conf}$</a:t>
+            </a:r>
+            <a:r>
+              <a:rPr lang="zh-CN" altLang="en-US" sz="1200" b="0" kern="1200" dirty="0">
+                <a:solidFill>
+                  <a:schemeClr val="tx1"/>
+                </a:solidFill>
+                <a:effectLst/>
+                <a:latin typeface="+mn-lt"/>
+                <a:ea typeface="+mn-ea"/>
+                <a:cs typeface="+mn-cs"/>
+              </a:rPr>
+              <a:t>的设定，作者使用了一种统计的方法，首先将</a:t>
+            </a:r>
+            <a:r>
+              <a:rPr lang="en-US" altLang="zh-CN" sz="1200" b="0" kern="1200" dirty="0">
+                <a:solidFill>
+                  <a:schemeClr val="tx1"/>
+                </a:solidFill>
+                <a:effectLst/>
+                <a:latin typeface="+mn-lt"/>
+                <a:ea typeface="+mn-ea"/>
+                <a:cs typeface="+mn-cs"/>
+              </a:rPr>
+              <a:t>$T_{conf}$</a:t>
+            </a:r>
+            <a:r>
+              <a:rPr lang="zh-CN" altLang="en-US" sz="1200" b="0" kern="1200" dirty="0">
+                <a:solidFill>
+                  <a:schemeClr val="tx1"/>
+                </a:solidFill>
+                <a:effectLst/>
+                <a:latin typeface="+mn-lt"/>
+                <a:ea typeface="+mn-ea"/>
+                <a:cs typeface="+mn-cs"/>
+              </a:rPr>
+              <a:t>初始化为</a:t>
+            </a:r>
+            <a:r>
+              <a:rPr lang="en-US" altLang="zh-CN" sz="1200" b="0" kern="1200" dirty="0">
+                <a:solidFill>
+                  <a:schemeClr val="tx1"/>
+                </a:solidFill>
+                <a:effectLst/>
+                <a:latin typeface="+mn-lt"/>
+                <a:ea typeface="+mn-ea"/>
+                <a:cs typeface="+mn-cs"/>
+              </a:rPr>
+              <a:t>0</a:t>
+            </a:r>
+            <a:r>
+              <a:rPr lang="zh-CN" altLang="en-US" sz="1200" b="0" kern="1200" dirty="0">
+                <a:solidFill>
+                  <a:schemeClr val="tx1"/>
+                </a:solidFill>
+                <a:effectLst/>
+                <a:latin typeface="+mn-lt"/>
+                <a:ea typeface="+mn-ea"/>
+                <a:cs typeface="+mn-cs"/>
+              </a:rPr>
+              <a:t>，然后每</a:t>
+            </a:r>
+            <a:r>
+              <a:rPr lang="en-US" altLang="zh-CN" sz="1200" b="0" kern="1200" dirty="0">
+                <a:solidFill>
+                  <a:schemeClr val="tx1"/>
+                </a:solidFill>
+                <a:effectLst/>
+                <a:latin typeface="+mn-lt"/>
+                <a:ea typeface="+mn-ea"/>
+                <a:cs typeface="+mn-cs"/>
+              </a:rPr>
+              <a:t>1000</a:t>
+            </a:r>
+            <a:r>
+              <a:rPr lang="zh-CN" altLang="en-US" sz="1200" b="0" kern="1200" dirty="0">
+                <a:solidFill>
+                  <a:schemeClr val="tx1"/>
+                </a:solidFill>
+                <a:effectLst/>
+                <a:latin typeface="+mn-lt"/>
+                <a:ea typeface="+mn-ea"/>
+                <a:cs typeface="+mn-cs"/>
+              </a:rPr>
+              <a:t>帧记录前</a:t>
+            </a:r>
+            <a:r>
+              <a:rPr lang="en-US" altLang="zh-CN" sz="1200" b="0" kern="1200" dirty="0">
+                <a:solidFill>
+                  <a:schemeClr val="tx1"/>
+                </a:solidFill>
+                <a:effectLst/>
+                <a:latin typeface="+mn-lt"/>
+                <a:ea typeface="+mn-ea"/>
+                <a:cs typeface="+mn-cs"/>
+              </a:rPr>
+              <a:t>1000</a:t>
+            </a:r>
+            <a:r>
+              <a:rPr lang="zh-CN" altLang="en-US" sz="1200" b="0" kern="1200" dirty="0">
+                <a:solidFill>
+                  <a:schemeClr val="tx1"/>
+                </a:solidFill>
+                <a:effectLst/>
+                <a:latin typeface="+mn-lt"/>
+                <a:ea typeface="+mn-ea"/>
+                <a:cs typeface="+mn-cs"/>
+              </a:rPr>
+              <a:t>帧的生成时间，计算出置信度为</a:t>
+            </a:r>
+            <a:r>
+              <a:rPr lang="en-US" altLang="zh-CN" sz="1200" b="0" kern="1200" dirty="0">
+                <a:solidFill>
+                  <a:schemeClr val="tx1"/>
+                </a:solidFill>
+                <a:effectLst/>
+                <a:latin typeface="+mn-lt"/>
+                <a:ea typeface="+mn-ea"/>
+                <a:cs typeface="+mn-cs"/>
+              </a:rPr>
+              <a:t>99%</a:t>
+            </a:r>
+            <a:r>
+              <a:rPr lang="zh-CN" altLang="en-US" sz="1200" b="0" kern="1200" dirty="0">
+                <a:solidFill>
+                  <a:schemeClr val="tx1"/>
+                </a:solidFill>
+                <a:effectLst/>
+                <a:latin typeface="+mn-lt"/>
+                <a:ea typeface="+mn-ea"/>
+                <a:cs typeface="+mn-cs"/>
+              </a:rPr>
+              <a:t>的置信区间，将</a:t>
+            </a:r>
+            <a:r>
+              <a:rPr lang="en-US" altLang="zh-CN" sz="1200" b="0" kern="1200" dirty="0">
+                <a:solidFill>
+                  <a:schemeClr val="tx1"/>
+                </a:solidFill>
+                <a:effectLst/>
+                <a:latin typeface="+mn-lt"/>
+                <a:ea typeface="+mn-ea"/>
+                <a:cs typeface="+mn-cs"/>
+              </a:rPr>
+              <a:t>$T_{conf}$</a:t>
+            </a:r>
+            <a:r>
+              <a:rPr lang="zh-CN" altLang="en-US" sz="1200" b="0" kern="1200" dirty="0">
+                <a:solidFill>
+                  <a:schemeClr val="tx1"/>
+                </a:solidFill>
+                <a:effectLst/>
+                <a:latin typeface="+mn-lt"/>
+                <a:ea typeface="+mn-ea"/>
+                <a:cs typeface="+mn-cs"/>
+              </a:rPr>
+              <a:t>设置为置信区间的中点值。</a:t>
+            </a:r>
+          </a:p>
+          <a:p>
             <a:endParaRPr lang="zh-CN" altLang="en-US" dirty="0"/>
           </a:p>
         </p:txBody>
@@ -1363,7 +1567,7 @@
             </a:r>
             <a:r>
               <a:rPr lang="zh-CN" altLang="en-US" dirty="0"/>
-              <a:t>，最后就是实现一个基于并行流处理的移动端目标检测，测试不同分辨率视频的延迟和目标检测的精度。</a:t>
+              <a:t>，最后就是实现一个基于并行流处理的移动端目标检测，测试不同分片方式视频的延迟和目标检测的精度。</a:t>
             </a:r>
           </a:p>
         </p:txBody>
@@ -5925,10 +6129,9 @@
           </a:p>
           <a:p>
             <a:r>
-              <a:rPr lang="zh-CN" altLang="en-US"/>
+              <a:rPr lang="zh-CN" altLang="en-US" dirty="0"/>
               <a:t>吴家行</a:t>
             </a:r>
-            <a:endParaRPr lang="zh-CN" altLang="en-US" dirty="0"/>
           </a:p>
         </p:txBody>
       </p:sp>
@@ -7356,6 +7559,36 @@
           </a:p>
         </p:txBody>
       </p:sp>
+      <p:pic>
+        <p:nvPicPr>
+          <p:cNvPr id="4" name="图片 3">
+            <a:extLst>
+              <a:ext uri="{FF2B5EF4-FFF2-40B4-BE49-F238E27FC236}">
+                <a16:creationId xmlns:a16="http://schemas.microsoft.com/office/drawing/2014/main" id="{D1049FD4-E4C4-D447-86CE-0A38698CC6A8}"/>
+              </a:ext>
+            </a:extLst>
+          </p:cNvPr>
+          <p:cNvPicPr>
+            <a:picLocks noChangeAspect="1"/>
+          </p:cNvPicPr>
+          <p:nvPr/>
+        </p:nvPicPr>
+        <p:blipFill>
+          <a:blip r:embed="rId3"/>
+          <a:stretch>
+            <a:fillRect/>
+          </a:stretch>
+        </p:blipFill>
+        <p:spPr>
+          <a:xfrm>
+            <a:off x="7576751" y="5125267"/>
+            <a:ext cx="3866015" cy="1510311"/>
+          </a:xfrm>
+          <a:prstGeom prst="rect">
+            <a:avLst/>
+          </a:prstGeom>
+        </p:spPr>
+      </p:pic>
     </p:spTree>
     <p:extLst>
       <p:ext uri="{BB962C8B-B14F-4D97-AF65-F5344CB8AC3E}">
@@ -7510,7 +7743,7 @@
             <a:pPr lvl="1"/>
             <a:r>
               <a:rPr lang="en-US" altLang="zh-CN" dirty="0"/>
-              <a:t>Measure latency and precision with different resolutions.</a:t>
+              <a:t>Measure latency and precision with different sliding method.</a:t>
             </a:r>
           </a:p>
         </p:txBody>
